--- a/Statistical Analysis of the Bike Traffic in Paris/Bike Traffic in Paris.pptx
+++ b/Statistical Analysis of the Bike Traffic in Paris/Bike Traffic in Paris.pptx
@@ -275,7 +275,7 @@
           <a:p>
             <a:fld id="{85C687F6-DB9F-4146-B76A-E1145FA4F4BC}" type="datetimeFigureOut">
               <a:rPr lang="en-GB" smtClean="0"/>
-              <a:t>27/09/2020</a:t>
+              <a:t>28/09/2020</a:t>
             </a:fld>
             <a:endParaRPr lang="en-GB"/>
           </a:p>
@@ -475,7 +475,7 @@
           <a:p>
             <a:fld id="{85C687F6-DB9F-4146-B76A-E1145FA4F4BC}" type="datetimeFigureOut">
               <a:rPr lang="en-GB" smtClean="0"/>
-              <a:t>27/09/2020</a:t>
+              <a:t>28/09/2020</a:t>
             </a:fld>
             <a:endParaRPr lang="en-GB"/>
           </a:p>
@@ -685,7 +685,7 @@
           <a:p>
             <a:fld id="{85C687F6-DB9F-4146-B76A-E1145FA4F4BC}" type="datetimeFigureOut">
               <a:rPr lang="en-GB" smtClean="0"/>
-              <a:t>27/09/2020</a:t>
+              <a:t>28/09/2020</a:t>
             </a:fld>
             <a:endParaRPr lang="en-GB"/>
           </a:p>
@@ -885,7 +885,7 @@
           <a:p>
             <a:fld id="{85C687F6-DB9F-4146-B76A-E1145FA4F4BC}" type="datetimeFigureOut">
               <a:rPr lang="en-GB" smtClean="0"/>
-              <a:t>27/09/2020</a:t>
+              <a:t>28/09/2020</a:t>
             </a:fld>
             <a:endParaRPr lang="en-GB"/>
           </a:p>
@@ -1161,7 +1161,7 @@
           <a:p>
             <a:fld id="{85C687F6-DB9F-4146-B76A-E1145FA4F4BC}" type="datetimeFigureOut">
               <a:rPr lang="en-GB" smtClean="0"/>
-              <a:t>27/09/2020</a:t>
+              <a:t>28/09/2020</a:t>
             </a:fld>
             <a:endParaRPr lang="en-GB"/>
           </a:p>
@@ -1429,7 +1429,7 @@
           <a:p>
             <a:fld id="{85C687F6-DB9F-4146-B76A-E1145FA4F4BC}" type="datetimeFigureOut">
               <a:rPr lang="en-GB" smtClean="0"/>
-              <a:t>27/09/2020</a:t>
+              <a:t>28/09/2020</a:t>
             </a:fld>
             <a:endParaRPr lang="en-GB"/>
           </a:p>
@@ -1844,7 +1844,7 @@
           <a:p>
             <a:fld id="{85C687F6-DB9F-4146-B76A-E1145FA4F4BC}" type="datetimeFigureOut">
               <a:rPr lang="en-GB" smtClean="0"/>
-              <a:t>27/09/2020</a:t>
+              <a:t>28/09/2020</a:t>
             </a:fld>
             <a:endParaRPr lang="en-GB"/>
           </a:p>
@@ -1986,7 +1986,7 @@
           <a:p>
             <a:fld id="{85C687F6-DB9F-4146-B76A-E1145FA4F4BC}" type="datetimeFigureOut">
               <a:rPr lang="en-GB" smtClean="0"/>
-              <a:t>27/09/2020</a:t>
+              <a:t>28/09/2020</a:t>
             </a:fld>
             <a:endParaRPr lang="en-GB"/>
           </a:p>
@@ -2099,7 +2099,7 @@
           <a:p>
             <a:fld id="{85C687F6-DB9F-4146-B76A-E1145FA4F4BC}" type="datetimeFigureOut">
               <a:rPr lang="en-GB" smtClean="0"/>
-              <a:t>27/09/2020</a:t>
+              <a:t>28/09/2020</a:t>
             </a:fld>
             <a:endParaRPr lang="en-GB"/>
           </a:p>
@@ -2412,7 +2412,7 @@
           <a:p>
             <a:fld id="{85C687F6-DB9F-4146-B76A-E1145FA4F4BC}" type="datetimeFigureOut">
               <a:rPr lang="en-GB" smtClean="0"/>
-              <a:t>27/09/2020</a:t>
+              <a:t>28/09/2020</a:t>
             </a:fld>
             <a:endParaRPr lang="en-GB"/>
           </a:p>
@@ -2701,7 +2701,7 @@
           <a:p>
             <a:fld id="{85C687F6-DB9F-4146-B76A-E1145FA4F4BC}" type="datetimeFigureOut">
               <a:rPr lang="en-GB" smtClean="0"/>
-              <a:t>27/09/2020</a:t>
+              <a:t>28/09/2020</a:t>
             </a:fld>
             <a:endParaRPr lang="en-GB"/>
           </a:p>
@@ -2944,7 +2944,7 @@
           <a:p>
             <a:fld id="{85C687F6-DB9F-4146-B76A-E1145FA4F4BC}" type="datetimeFigureOut">
               <a:rPr lang="en-GB" smtClean="0"/>
-              <a:t>27/09/2020</a:t>
+              <a:t>28/09/2020</a:t>
             </a:fld>
             <a:endParaRPr lang="en-GB"/>
           </a:p>
@@ -4489,19 +4489,39 @@
           <a:lstStyle/>
           <a:p>
             <a:r>
-              <a:rPr lang="en-US" sz="1800"/>
-              <a:t>We finally learned how to work with Github!</a:t>
-            </a:r>
-          </a:p>
-          <a:p>
-            <a:r>
-              <a:rPr lang="en-US" sz="1800"/>
+              <a:rPr lang="en-US" sz="1800" dirty="0"/>
+              <a:t>We finally learned how to work with </a:t>
+            </a:r>
+            <a:r>
+              <a:rPr lang="en-US" sz="1800" dirty="0" err="1"/>
+              <a:t>Github</a:t>
+            </a:r>
+            <a:r>
+              <a:rPr lang="en-US" sz="1800" dirty="0"/>
+              <a:t>!</a:t>
+            </a:r>
+          </a:p>
+          <a:p>
+            <a:r>
+              <a:rPr lang="en-US" sz="1800" dirty="0"/>
               <a:t>Using the Google Maps API</a:t>
             </a:r>
           </a:p>
           <a:p>
             <a:r>
-              <a:rPr lang="en-US" sz="1800"/>
+              <a:rPr lang="en-US" sz="1800" dirty="0"/>
+              <a:t>How to manipulate and clean data efficiently</a:t>
+            </a:r>
+          </a:p>
+          <a:p>
+            <a:r>
+              <a:rPr lang="en-US" sz="1800" dirty="0"/>
+              <a:t>Choose the visualizations that best describe the data in question</a:t>
+            </a:r>
+          </a:p>
+          <a:p>
+            <a:r>
+              <a:rPr lang="en-US" sz="1800" dirty="0"/>
               <a:t>What are the arrondissements to avoid having a bike accident</a:t>
             </a:r>
           </a:p>
@@ -4756,7 +4776,16 @@
             </a:r>
           </a:p>
           <a:p>
-            <a:endParaRPr lang="en-US" sz="1800" dirty="0"/>
+            <a:r>
+              <a:rPr lang="en-US" sz="1800" dirty="0"/>
+              <a:t>Do Hypothesis testing</a:t>
+            </a:r>
+          </a:p>
+          <a:p>
+            <a:r>
+              <a:rPr lang="en-US" sz="1800" dirty="0"/>
+              <a:t>Do more Web Scraping in order to get more variables</a:t>
+            </a:r>
           </a:p>
         </p:txBody>
       </p:sp>

--- a/Statistical Analysis of the Bike Traffic in Paris/Bike Traffic in Paris.pptx
+++ b/Statistical Analysis of the Bike Traffic in Paris/Bike Traffic in Paris.pptx
@@ -4478,8 +4478,8 @@
         </p:nvSpPr>
         <p:spPr>
           <a:xfrm>
-            <a:off x="655321" y="2575034"/>
-            <a:ext cx="5120113" cy="3462228"/>
+            <a:off x="655321" y="2575033"/>
+            <a:ext cx="5120113" cy="4035491"/>
           </a:xfrm>
         </p:spPr>
         <p:txBody>
@@ -4502,22 +4502,34 @@
             </a:r>
           </a:p>
           <a:p>
+            <a:endParaRPr lang="en-US" sz="1800" dirty="0"/>
+          </a:p>
+          <a:p>
             <a:r>
               <a:rPr lang="en-US" sz="1800" dirty="0"/>
               <a:t>Using the Google Maps API</a:t>
             </a:r>
           </a:p>
           <a:p>
+            <a:endParaRPr lang="en-US" sz="1800" dirty="0"/>
+          </a:p>
+          <a:p>
             <a:r>
               <a:rPr lang="en-US" sz="1800" dirty="0"/>
               <a:t>How to manipulate and clean data efficiently</a:t>
             </a:r>
           </a:p>
           <a:p>
+            <a:endParaRPr lang="en-US" sz="1800" dirty="0"/>
+          </a:p>
+          <a:p>
             <a:r>
               <a:rPr lang="en-US" sz="1800" dirty="0"/>
               <a:t>Choose the visualizations that best describe the data in question</a:t>
             </a:r>
+          </a:p>
+          <a:p>
+            <a:endParaRPr lang="en-US" sz="1800" dirty="0"/>
           </a:p>
           <a:p>
             <a:r>
@@ -4776,15 +4788,30 @@
             </a:r>
           </a:p>
           <a:p>
+            <a:endParaRPr lang="en-US" sz="1800" dirty="0"/>
+          </a:p>
+          <a:p>
             <a:r>
               <a:rPr lang="en-US" sz="1800" dirty="0"/>
               <a:t>Do Hypothesis testing</a:t>
             </a:r>
           </a:p>
           <a:p>
+            <a:endParaRPr lang="en-US" sz="1800" dirty="0"/>
+          </a:p>
+          <a:p>
             <a:r>
               <a:rPr lang="en-US" sz="1800" dirty="0"/>
               <a:t>Do more Web Scraping in order to get more variables</a:t>
+            </a:r>
+          </a:p>
+          <a:p>
+            <a:endParaRPr lang="en-US" sz="1800" dirty="0"/>
+          </a:p>
+          <a:p>
+            <a:r>
+              <a:rPr lang="en-US" sz="1800" dirty="0"/>
+              <a:t>Do more planning in the beginning and think about the final data that we needed to have.</a:t>
             </a:r>
           </a:p>
         </p:txBody>

--- a/Statistical Analysis of the Bike Traffic in Paris/Bike Traffic in Paris.pptx
+++ b/Statistical Analysis of the Bike Traffic in Paris/Bike Traffic in Paris.pptx
@@ -9,8 +9,8 @@
     <p:sldId id="257" r:id="rId3"/>
     <p:sldId id="258" r:id="rId4"/>
     <p:sldId id="263" r:id="rId5"/>
-    <p:sldId id="267" r:id="rId6"/>
-    <p:sldId id="264" r:id="rId7"/>
+    <p:sldId id="264" r:id="rId6"/>
+    <p:sldId id="267" r:id="rId7"/>
     <p:sldId id="259" r:id="rId8"/>
     <p:sldId id="261" r:id="rId9"/>
     <p:sldId id="260" r:id="rId10"/>
@@ -5738,7 +5738,7 @@
         </p:blipFill>
         <p:spPr bwMode="auto">
           <a:xfrm>
-            <a:off x="1293702" y="3015067"/>
+            <a:off x="1414842" y="3015067"/>
             <a:ext cx="1451702" cy="1538271"/>
           </a:xfrm>
           <a:prstGeom prst="rect">
@@ -5865,7 +5865,7 @@
         <p:spPr>
           <a:xfrm>
             <a:off x="3001" y="4681056"/>
-            <a:ext cx="4033104" cy="369332"/>
+            <a:ext cx="4275384" cy="1200329"/>
           </a:xfrm>
           <a:prstGeom prst="rect">
             <a:avLst/>
@@ -5880,7 +5880,7 @@
           <a:p>
             <a:pPr algn="ctr"/>
             <a:r>
-              <a:rPr lang="en-GB" i="0" dirty="0" err="1">
+              <a:rPr lang="en-GB" b="1" i="0" dirty="0" err="1">
                 <a:solidFill>
                   <a:srgbClr val="373C42"/>
                 </a:solidFill>
@@ -5890,6 +5890,94 @@
               <a:t>Comptage</a:t>
             </a:r>
             <a:r>
+              <a:rPr lang="en-GB" b="1" i="0" dirty="0">
+                <a:solidFill>
+                  <a:srgbClr val="373C42"/>
+                </a:solidFill>
+                <a:effectLst/>
+                <a:latin typeface="Helvetica Neue"/>
+              </a:rPr>
+              <a:t> </a:t>
+            </a:r>
+            <a:r>
+              <a:rPr lang="en-GB" b="1" i="0" dirty="0" err="1">
+                <a:solidFill>
+                  <a:srgbClr val="373C42"/>
+                </a:solidFill>
+                <a:effectLst/>
+                <a:latin typeface="Helvetica Neue"/>
+              </a:rPr>
+              <a:t>vélo</a:t>
+            </a:r>
+            <a:r>
+              <a:rPr lang="en-GB" b="1" i="0" dirty="0">
+                <a:solidFill>
+                  <a:srgbClr val="373C42"/>
+                </a:solidFill>
+                <a:effectLst/>
+                <a:latin typeface="Helvetica Neue"/>
+              </a:rPr>
+              <a:t> - </a:t>
+            </a:r>
+            <a:r>
+              <a:rPr lang="en-GB" b="1" i="0" dirty="0" err="1">
+                <a:solidFill>
+                  <a:srgbClr val="373C42"/>
+                </a:solidFill>
+                <a:effectLst/>
+                <a:latin typeface="Helvetica Neue"/>
+              </a:rPr>
+              <a:t>Données</a:t>
+            </a:r>
+            <a:r>
+              <a:rPr lang="en-GB" b="1" i="0" dirty="0">
+                <a:solidFill>
+                  <a:srgbClr val="373C42"/>
+                </a:solidFill>
+                <a:effectLst/>
+                <a:latin typeface="Helvetica Neue"/>
+              </a:rPr>
+              <a:t> </a:t>
+            </a:r>
+            <a:r>
+              <a:rPr lang="en-GB" b="1" i="0" dirty="0" err="1">
+                <a:solidFill>
+                  <a:srgbClr val="373C42"/>
+                </a:solidFill>
+                <a:effectLst/>
+                <a:latin typeface="Helvetica Neue"/>
+              </a:rPr>
+              <a:t>compteurs</a:t>
+            </a:r>
+            <a:endParaRPr lang="en-GB" b="1" i="0" dirty="0">
+              <a:solidFill>
+                <a:srgbClr val="373C42"/>
+              </a:solidFill>
+              <a:effectLst/>
+              <a:latin typeface="Helvetica Neue"/>
+            </a:endParaRPr>
+          </a:p>
+          <a:p>
+            <a:pPr marL="285750" indent="-285750" algn="ctr">
+              <a:buFont typeface="Arial" panose="020B0604020202020204" pitchFamily="34" charset="0"/>
+              <a:buChar char="•"/>
+            </a:pPr>
+            <a:r>
+              <a:rPr lang="en-GB" dirty="0">
+                <a:solidFill>
+                  <a:srgbClr val="373C42"/>
+                </a:solidFill>
+                <a:latin typeface="Helvetica Neue"/>
+              </a:rPr>
+              <a:t>2018 – 150k rows</a:t>
+            </a:r>
+          </a:p>
+          <a:p>
+            <a:pPr marL="285750" indent="-285750" algn="ctr">
+              <a:buFont typeface="Arial" panose="020B0604020202020204" pitchFamily="34" charset="0"/>
+              <a:buChar char="•"/>
+            </a:pPr>
+            <a:r>
               <a:rPr lang="en-GB" i="0" dirty="0">
                 <a:solidFill>
                   <a:srgbClr val="373C42"/>
@@ -5897,65 +5985,23 @@
                 <a:effectLst/>
                 <a:latin typeface="Helvetica Neue"/>
               </a:rPr>
-              <a:t> </a:t>
-            </a:r>
-            <a:r>
-              <a:rPr lang="en-GB" i="0" dirty="0" err="1">
+              <a:t>2019 – 435k rows</a:t>
+            </a:r>
+          </a:p>
+          <a:p>
+            <a:pPr marL="285750" indent="-285750" algn="ctr">
+              <a:buFont typeface="Arial" panose="020B0604020202020204" pitchFamily="34" charset="0"/>
+              <a:buChar char="•"/>
+            </a:pPr>
+            <a:r>
+              <a:rPr lang="en-GB" dirty="0">
                 <a:solidFill>
                   <a:srgbClr val="373C42"/>
                 </a:solidFill>
-                <a:effectLst/>
                 <a:latin typeface="Helvetica Neue"/>
               </a:rPr>
-              <a:t>vélo</a:t>
-            </a:r>
-            <a:r>
-              <a:rPr lang="en-GB" i="0" dirty="0">
-                <a:solidFill>
-                  <a:srgbClr val="373C42"/>
-                </a:solidFill>
-                <a:effectLst/>
-                <a:latin typeface="Helvetica Neue"/>
-              </a:rPr>
-              <a:t> - </a:t>
-            </a:r>
-            <a:r>
-              <a:rPr lang="en-GB" i="0" dirty="0" err="1">
-                <a:solidFill>
-                  <a:srgbClr val="373C42"/>
-                </a:solidFill>
-                <a:effectLst/>
-                <a:latin typeface="Helvetica Neue"/>
-              </a:rPr>
-              <a:t>Données</a:t>
-            </a:r>
-            <a:r>
-              <a:rPr lang="en-GB" i="0" dirty="0">
-                <a:solidFill>
-                  <a:srgbClr val="373C42"/>
-                </a:solidFill>
-                <a:effectLst/>
-                <a:latin typeface="Helvetica Neue"/>
-              </a:rPr>
-              <a:t> </a:t>
-            </a:r>
-            <a:r>
-              <a:rPr lang="en-GB" i="0" dirty="0" err="1">
-                <a:solidFill>
-                  <a:srgbClr val="373C42"/>
-                </a:solidFill>
-                <a:effectLst/>
-                <a:latin typeface="Helvetica Neue"/>
-              </a:rPr>
-              <a:t>compteurs</a:t>
-            </a:r>
-            <a:endParaRPr lang="en-GB" i="0" dirty="0">
-              <a:solidFill>
-                <a:srgbClr val="373C42"/>
-              </a:solidFill>
-              <a:effectLst/>
-              <a:latin typeface="Helvetica Neue"/>
-            </a:endParaRPr>
+              <a:t>Last 12M – 770k rows</a:t>
+            </a:r>
           </a:p>
         </p:txBody>
       </p:sp>
@@ -5989,7 +6035,7 @@
           <a:p>
             <a:pPr algn="ctr"/>
             <a:r>
-              <a:rPr lang="en-GB" i="0" dirty="0">
+              <a:rPr lang="en-GB" b="1" i="0" dirty="0">
                 <a:solidFill>
                   <a:srgbClr val="373C42"/>
                 </a:solidFill>
@@ -5999,7 +6045,7 @@
               <a:t>Accidents </a:t>
             </a:r>
             <a:r>
-              <a:rPr lang="en-GB" i="0" dirty="0" err="1">
+              <a:rPr lang="en-GB" b="1" i="0" dirty="0" err="1">
                 <a:solidFill>
                   <a:srgbClr val="373C42"/>
                 </a:solidFill>
@@ -6008,7 +6054,7 @@
               </a:rPr>
               <a:t>Vélo</a:t>
             </a:r>
-            <a:endParaRPr lang="en-GB" i="0" dirty="0">
+            <a:endParaRPr lang="en-GB" b="1" i="0" dirty="0">
               <a:solidFill>
                 <a:srgbClr val="373C42"/>
               </a:solidFill>
@@ -6032,8 +6078,8 @@
         </p:nvSpPr>
         <p:spPr>
           <a:xfrm>
-            <a:off x="8155895" y="4681056"/>
-            <a:ext cx="3476614" cy="369332"/>
+            <a:off x="8155894" y="4681056"/>
+            <a:ext cx="3755869" cy="369332"/>
           </a:xfrm>
           <a:prstGeom prst="rect">
             <a:avLst/>
@@ -6048,7 +6094,7 @@
           <a:p>
             <a:pPr algn="l"/>
             <a:r>
-              <a:rPr lang="en-GB" b="0" i="0" dirty="0" err="1">
+              <a:rPr lang="en-GB" b="1" i="0" dirty="0" err="1">
                 <a:solidFill>
                   <a:srgbClr val="373C42"/>
                 </a:solidFill>
@@ -6058,7 +6104,7 @@
               <a:t>Réseau</a:t>
             </a:r>
             <a:r>
-              <a:rPr lang="en-GB" b="0" i="0" dirty="0">
+              <a:rPr lang="en-GB" b="1" i="0" dirty="0">
                 <a:solidFill>
                   <a:srgbClr val="373C42"/>
                 </a:solidFill>
@@ -6068,7 +6114,7 @@
               <a:t> des </a:t>
             </a:r>
             <a:r>
-              <a:rPr lang="en-GB" b="0" i="0" dirty="0" err="1">
+              <a:rPr lang="en-GB" b="1" i="0" dirty="0" err="1">
                 <a:solidFill>
                   <a:srgbClr val="373C42"/>
                 </a:solidFill>
@@ -6078,7 +6124,7 @@
               <a:t>itinéraires</a:t>
             </a:r>
             <a:r>
-              <a:rPr lang="en-GB" b="0" i="0" dirty="0">
+              <a:rPr lang="en-GB" b="1" i="0" dirty="0">
                 <a:solidFill>
                   <a:srgbClr val="373C42"/>
                 </a:solidFill>
@@ -6088,7 +6134,7 @@
               <a:t> </a:t>
             </a:r>
             <a:r>
-              <a:rPr lang="en-GB" b="0" i="0" dirty="0" err="1">
+              <a:rPr lang="en-GB" b="1" i="0" dirty="0" err="1">
                 <a:solidFill>
                   <a:srgbClr val="373C42"/>
                 </a:solidFill>
@@ -6097,7 +6143,7 @@
               </a:rPr>
               <a:t>cyclables</a:t>
             </a:r>
-            <a:endParaRPr lang="en-GB" b="0" i="0" dirty="0">
+            <a:endParaRPr lang="en-GB" b="1" i="0" dirty="0">
               <a:solidFill>
                 <a:srgbClr val="373C42"/>
               </a:solidFill>
@@ -6515,352 +6561,6 @@
 </file>
 
 <file path=ppt/slides/slide5.xml><?xml version="1.0" encoding="utf-8"?>
-<p:sld xmlns:a="http://schemas.openxmlformats.org/drawingml/2006/main" xmlns:r="http://schemas.openxmlformats.org/officeDocument/2006/relationships" xmlns:p="http://schemas.openxmlformats.org/presentationml/2006/main">
-  <p:cSld>
-    <p:spTree>
-      <p:nvGrpSpPr>
-        <p:cNvPr id="1" name=""/>
-        <p:cNvGrpSpPr/>
-        <p:nvPr/>
-      </p:nvGrpSpPr>
-      <p:grpSpPr>
-        <a:xfrm>
-          <a:off x="0" y="0"/>
-          <a:ext cx="0" cy="0"/>
-          <a:chOff x="0" y="0"/>
-          <a:chExt cx="0" cy="0"/>
-        </a:xfrm>
-      </p:grpSpPr>
-      <p:sp>
-        <p:nvSpPr>
-          <p:cNvPr id="2" name="Title 1">
-            <a:extLst>
-              <a:ext uri="{FF2B5EF4-FFF2-40B4-BE49-F238E27FC236}">
-                <a16:creationId xmlns:a16="http://schemas.microsoft.com/office/drawing/2014/main" id="{701C0829-2EE8-4206-BEC9-7ABF181F9B28}"/>
-              </a:ext>
-            </a:extLst>
-          </p:cNvPr>
-          <p:cNvSpPr>
-            <a:spLocks noGrp="1"/>
-          </p:cNvSpPr>
-          <p:nvPr>
-            <p:ph type="title"/>
-          </p:nvPr>
-        </p:nvSpPr>
-        <p:spPr>
-          <a:xfrm>
-            <a:off x="0" y="1"/>
-            <a:ext cx="12192000" cy="1131210"/>
-          </a:xfrm>
-        </p:spPr>
-        <p:style>
-          <a:lnRef idx="0">
-            <a:schemeClr val="accent5"/>
-          </a:lnRef>
-          <a:fillRef idx="3">
-            <a:schemeClr val="accent5"/>
-          </a:fillRef>
-          <a:effectRef idx="3">
-            <a:schemeClr val="accent5"/>
-          </a:effectRef>
-          <a:fontRef idx="minor">
-            <a:schemeClr val="lt1"/>
-          </a:fontRef>
-        </p:style>
-        <p:txBody>
-          <a:bodyPr/>
-          <a:lstStyle/>
-          <a:p>
-            <a:r>
-              <a:rPr lang="pt-PT" dirty="0"/>
-              <a:t>Web </a:t>
-            </a:r>
-            <a:r>
-              <a:rPr lang="pt-PT" dirty="0" err="1"/>
-              <a:t>Scraping</a:t>
-            </a:r>
-            <a:endParaRPr lang="en-GB" dirty="0"/>
-          </a:p>
-        </p:txBody>
-      </p:sp>
-      <p:sp>
-        <p:nvSpPr>
-          <p:cNvPr id="13" name="TextBox 12">
-            <a:extLst>
-              <a:ext uri="{FF2B5EF4-FFF2-40B4-BE49-F238E27FC236}">
-                <a16:creationId xmlns:a16="http://schemas.microsoft.com/office/drawing/2014/main" id="{B3A57F8C-D121-4ED5-A333-CA8BF06F091E}"/>
-              </a:ext>
-            </a:extLst>
-          </p:cNvPr>
-          <p:cNvSpPr txBox="1"/>
-          <p:nvPr/>
-        </p:nvSpPr>
-        <p:spPr>
-          <a:xfrm>
-            <a:off x="6095999" y="2126500"/>
-            <a:ext cx="4356683" cy="892552"/>
-          </a:xfrm>
-          <a:prstGeom prst="rect">
-            <a:avLst/>
-          </a:prstGeom>
-          <a:noFill/>
-        </p:spPr>
-        <p:txBody>
-          <a:bodyPr wrap="square">
-            <a:spAutoFit/>
-          </a:bodyPr>
-          <a:lstStyle/>
-          <a:p>
-            <a:r>
-              <a:rPr lang="en-GB" sz="2800" b="1" i="0" dirty="0">
-                <a:solidFill>
-                  <a:srgbClr val="24292E"/>
-                </a:solidFill>
-                <a:effectLst/>
-                <a:latin typeface="-apple-system"/>
-              </a:rPr>
-              <a:t>Wikipedia page</a:t>
-            </a:r>
-            <a:endParaRPr lang="en-GB" sz="2800" b="1" dirty="0"/>
-          </a:p>
-          <a:p>
-            <a:r>
-              <a:rPr lang="en-GB" sz="2400" dirty="0"/>
-              <a:t>Arrondissements in Paris</a:t>
-            </a:r>
-          </a:p>
-        </p:txBody>
-      </p:sp>
-      <p:sp>
-        <p:nvSpPr>
-          <p:cNvPr id="7" name="TextBox 6">
-            <a:extLst>
-              <a:ext uri="{FF2B5EF4-FFF2-40B4-BE49-F238E27FC236}">
-                <a16:creationId xmlns:a16="http://schemas.microsoft.com/office/drawing/2014/main" id="{17BBFC3E-B2FB-492C-9A20-8264D5C9627E}"/>
-              </a:ext>
-            </a:extLst>
-          </p:cNvPr>
-          <p:cNvSpPr txBox="1"/>
-          <p:nvPr/>
-        </p:nvSpPr>
-        <p:spPr>
-          <a:xfrm>
-            <a:off x="6095999" y="3838949"/>
-            <a:ext cx="5965372" cy="1200329"/>
-          </a:xfrm>
-          <a:prstGeom prst="rect">
-            <a:avLst/>
-          </a:prstGeom>
-          <a:noFill/>
-        </p:spPr>
-        <p:txBody>
-          <a:bodyPr wrap="square" rtlCol="0">
-            <a:spAutoFit/>
-          </a:bodyPr>
-          <a:lstStyle/>
-          <a:p>
-            <a:r>
-              <a:rPr lang="pt-PT" b="1" dirty="0" err="1"/>
-              <a:t>Objective</a:t>
-            </a:r>
-            <a:r>
-              <a:rPr lang="pt-PT" b="1" dirty="0"/>
-              <a:t>:</a:t>
-            </a:r>
-          </a:p>
-          <a:p>
-            <a:r>
-              <a:rPr lang="pt-PT" dirty="0" err="1"/>
-              <a:t>Retrieve</a:t>
-            </a:r>
-            <a:r>
-              <a:rPr lang="pt-PT" dirty="0"/>
-              <a:t> </a:t>
-            </a:r>
-            <a:r>
-              <a:rPr lang="pt-PT" dirty="0" err="1"/>
-              <a:t>information</a:t>
-            </a:r>
-            <a:r>
-              <a:rPr lang="pt-PT" dirty="0"/>
-              <a:t> </a:t>
-            </a:r>
-            <a:r>
-              <a:rPr lang="pt-PT" dirty="0" err="1"/>
-              <a:t>about</a:t>
-            </a:r>
-            <a:r>
-              <a:rPr lang="pt-PT" dirty="0"/>
-              <a:t> </a:t>
-            </a:r>
-            <a:r>
-              <a:rPr lang="pt-PT" dirty="0" err="1"/>
-              <a:t>the</a:t>
-            </a:r>
-            <a:r>
-              <a:rPr lang="pt-PT" dirty="0"/>
-              <a:t> </a:t>
-            </a:r>
-            <a:r>
-              <a:rPr lang="pt-PT" dirty="0" err="1"/>
-              <a:t>surface</a:t>
-            </a:r>
-            <a:r>
-              <a:rPr lang="pt-PT" dirty="0"/>
-              <a:t> </a:t>
-            </a:r>
-            <a:r>
-              <a:rPr lang="pt-PT" dirty="0" err="1"/>
-              <a:t>of</a:t>
-            </a:r>
-            <a:r>
-              <a:rPr lang="pt-PT" dirty="0"/>
-              <a:t> </a:t>
-            </a:r>
-            <a:r>
-              <a:rPr lang="pt-PT" dirty="0" err="1"/>
-              <a:t>each</a:t>
-            </a:r>
-            <a:r>
-              <a:rPr lang="pt-PT" dirty="0"/>
-              <a:t> </a:t>
-            </a:r>
-            <a:r>
-              <a:rPr lang="pt-PT" dirty="0" err="1"/>
-              <a:t>arrondissement</a:t>
-            </a:r>
-            <a:r>
-              <a:rPr lang="pt-PT" dirty="0"/>
-              <a:t> to correlate </a:t>
-            </a:r>
-            <a:r>
-              <a:rPr lang="pt-PT" dirty="0" err="1"/>
-              <a:t>the</a:t>
-            </a:r>
-            <a:r>
-              <a:rPr lang="pt-PT" dirty="0"/>
-              <a:t> </a:t>
-            </a:r>
-            <a:r>
-              <a:rPr lang="pt-PT" dirty="0" err="1"/>
-              <a:t>number</a:t>
-            </a:r>
-            <a:r>
-              <a:rPr lang="pt-PT" dirty="0"/>
-              <a:t> </a:t>
-            </a:r>
-            <a:r>
-              <a:rPr lang="pt-PT" dirty="0" err="1"/>
-              <a:t>of</a:t>
-            </a:r>
-            <a:r>
-              <a:rPr lang="pt-PT" dirty="0"/>
-              <a:t> </a:t>
-            </a:r>
-            <a:r>
-              <a:rPr lang="pt-PT" dirty="0" err="1"/>
-              <a:t>accidents</a:t>
-            </a:r>
-            <a:r>
-              <a:rPr lang="pt-PT" dirty="0"/>
-              <a:t> </a:t>
-            </a:r>
-            <a:r>
-              <a:rPr lang="pt-PT" dirty="0" err="1"/>
-              <a:t>with</a:t>
-            </a:r>
-            <a:r>
-              <a:rPr lang="pt-PT" dirty="0"/>
-              <a:t> </a:t>
-            </a:r>
-            <a:r>
-              <a:rPr lang="pt-PT" dirty="0" err="1"/>
-              <a:t>the</a:t>
-            </a:r>
-            <a:r>
-              <a:rPr lang="pt-PT" dirty="0"/>
-              <a:t> </a:t>
-            </a:r>
-            <a:r>
-              <a:rPr lang="pt-PT" dirty="0" err="1"/>
-              <a:t>surface</a:t>
-            </a:r>
-            <a:r>
-              <a:rPr lang="pt-PT" dirty="0"/>
-              <a:t> </a:t>
-            </a:r>
-            <a:r>
-              <a:rPr lang="pt-PT" dirty="0" err="1"/>
-              <a:t>of</a:t>
-            </a:r>
-            <a:r>
-              <a:rPr lang="pt-PT" dirty="0"/>
-              <a:t> </a:t>
-            </a:r>
-            <a:r>
-              <a:rPr lang="pt-PT" dirty="0" err="1"/>
-              <a:t>the</a:t>
-            </a:r>
-            <a:r>
-              <a:rPr lang="pt-PT" dirty="0"/>
-              <a:t> </a:t>
-            </a:r>
-            <a:r>
-              <a:rPr lang="pt-PT" dirty="0" err="1"/>
-              <a:t>arrondissement</a:t>
-            </a:r>
-            <a:r>
-              <a:rPr lang="pt-PT" dirty="0"/>
-              <a:t>.</a:t>
-            </a:r>
-            <a:endParaRPr lang="en-GB" dirty="0"/>
-          </a:p>
-        </p:txBody>
-      </p:sp>
-      <p:pic>
-        <p:nvPicPr>
-          <p:cNvPr id="3" name="Picture 2">
-            <a:extLst>
-              <a:ext uri="{FF2B5EF4-FFF2-40B4-BE49-F238E27FC236}">
-                <a16:creationId xmlns:a16="http://schemas.microsoft.com/office/drawing/2014/main" id="{E0E7CDAD-006A-4E5C-9311-439223312069}"/>
-              </a:ext>
-            </a:extLst>
-          </p:cNvPr>
-          <p:cNvPicPr>
-            <a:picLocks noChangeAspect="1"/>
-          </p:cNvPicPr>
-          <p:nvPr/>
-        </p:nvPicPr>
-        <p:blipFill>
-          <a:blip r:embed="rId2"/>
-          <a:stretch>
-            <a:fillRect/>
-          </a:stretch>
-        </p:blipFill>
-        <p:spPr>
-          <a:xfrm>
-            <a:off x="288746" y="1370983"/>
-            <a:ext cx="5104348" cy="5203655"/>
-          </a:xfrm>
-          <a:prstGeom prst="rect">
-            <a:avLst/>
-          </a:prstGeom>
-        </p:spPr>
-      </p:pic>
-    </p:spTree>
-    <p:extLst>
-      <p:ext uri="{BB962C8B-B14F-4D97-AF65-F5344CB8AC3E}">
-        <p14:creationId xmlns:p14="http://schemas.microsoft.com/office/powerpoint/2010/main" val="4209223165"/>
-      </p:ext>
-    </p:extLst>
-  </p:cSld>
-  <p:clrMapOvr>
-    <a:masterClrMapping/>
-  </p:clrMapOvr>
-</p:sld>
-</file>
-
-<file path=ppt/slides/slide6.xml><?xml version="1.0" encoding="utf-8"?>
 <p:sld xmlns:a="http://schemas.openxmlformats.org/drawingml/2006/main" xmlns:r="http://schemas.openxmlformats.org/officeDocument/2006/relationships" xmlns:p="http://schemas.openxmlformats.org/presentationml/2006/main">
   <p:cSld>
     <p:spTree>
@@ -7196,6 +6896,352 @@
     <p:extLst>
       <p:ext uri="{BB962C8B-B14F-4D97-AF65-F5344CB8AC3E}">
         <p14:creationId xmlns:p14="http://schemas.microsoft.com/office/powerpoint/2010/main" val="2864297771"/>
+      </p:ext>
+    </p:extLst>
+  </p:cSld>
+  <p:clrMapOvr>
+    <a:masterClrMapping/>
+  </p:clrMapOvr>
+</p:sld>
+</file>
+
+<file path=ppt/slides/slide6.xml><?xml version="1.0" encoding="utf-8"?>
+<p:sld xmlns:a="http://schemas.openxmlformats.org/drawingml/2006/main" xmlns:r="http://schemas.openxmlformats.org/officeDocument/2006/relationships" xmlns:p="http://schemas.openxmlformats.org/presentationml/2006/main">
+  <p:cSld>
+    <p:spTree>
+      <p:nvGrpSpPr>
+        <p:cNvPr id="1" name=""/>
+        <p:cNvGrpSpPr/>
+        <p:nvPr/>
+      </p:nvGrpSpPr>
+      <p:grpSpPr>
+        <a:xfrm>
+          <a:off x="0" y="0"/>
+          <a:ext cx="0" cy="0"/>
+          <a:chOff x="0" y="0"/>
+          <a:chExt cx="0" cy="0"/>
+        </a:xfrm>
+      </p:grpSpPr>
+      <p:sp>
+        <p:nvSpPr>
+          <p:cNvPr id="2" name="Title 1">
+            <a:extLst>
+              <a:ext uri="{FF2B5EF4-FFF2-40B4-BE49-F238E27FC236}">
+                <a16:creationId xmlns:a16="http://schemas.microsoft.com/office/drawing/2014/main" id="{701C0829-2EE8-4206-BEC9-7ABF181F9B28}"/>
+              </a:ext>
+            </a:extLst>
+          </p:cNvPr>
+          <p:cNvSpPr>
+            <a:spLocks noGrp="1"/>
+          </p:cNvSpPr>
+          <p:nvPr>
+            <p:ph type="title"/>
+          </p:nvPr>
+        </p:nvSpPr>
+        <p:spPr>
+          <a:xfrm>
+            <a:off x="0" y="1"/>
+            <a:ext cx="12192000" cy="1131210"/>
+          </a:xfrm>
+        </p:spPr>
+        <p:style>
+          <a:lnRef idx="0">
+            <a:schemeClr val="accent5"/>
+          </a:lnRef>
+          <a:fillRef idx="3">
+            <a:schemeClr val="accent5"/>
+          </a:fillRef>
+          <a:effectRef idx="3">
+            <a:schemeClr val="accent5"/>
+          </a:effectRef>
+          <a:fontRef idx="minor">
+            <a:schemeClr val="lt1"/>
+          </a:fontRef>
+        </p:style>
+        <p:txBody>
+          <a:bodyPr/>
+          <a:lstStyle/>
+          <a:p>
+            <a:r>
+              <a:rPr lang="pt-PT" dirty="0"/>
+              <a:t>Web </a:t>
+            </a:r>
+            <a:r>
+              <a:rPr lang="pt-PT" dirty="0" err="1"/>
+              <a:t>Scraping</a:t>
+            </a:r>
+            <a:endParaRPr lang="en-GB" dirty="0"/>
+          </a:p>
+        </p:txBody>
+      </p:sp>
+      <p:sp>
+        <p:nvSpPr>
+          <p:cNvPr id="13" name="TextBox 12">
+            <a:extLst>
+              <a:ext uri="{FF2B5EF4-FFF2-40B4-BE49-F238E27FC236}">
+                <a16:creationId xmlns:a16="http://schemas.microsoft.com/office/drawing/2014/main" id="{B3A57F8C-D121-4ED5-A333-CA8BF06F091E}"/>
+              </a:ext>
+            </a:extLst>
+          </p:cNvPr>
+          <p:cNvSpPr txBox="1"/>
+          <p:nvPr/>
+        </p:nvSpPr>
+        <p:spPr>
+          <a:xfrm>
+            <a:off x="6095999" y="2126500"/>
+            <a:ext cx="4356683" cy="892552"/>
+          </a:xfrm>
+          <a:prstGeom prst="rect">
+            <a:avLst/>
+          </a:prstGeom>
+          <a:noFill/>
+        </p:spPr>
+        <p:txBody>
+          <a:bodyPr wrap="square">
+            <a:spAutoFit/>
+          </a:bodyPr>
+          <a:lstStyle/>
+          <a:p>
+            <a:r>
+              <a:rPr lang="en-GB" sz="2800" b="1" i="0" dirty="0">
+                <a:solidFill>
+                  <a:srgbClr val="24292E"/>
+                </a:solidFill>
+                <a:effectLst/>
+                <a:latin typeface="-apple-system"/>
+              </a:rPr>
+              <a:t>Wikipedia page</a:t>
+            </a:r>
+            <a:endParaRPr lang="en-GB" sz="2800" b="1" dirty="0"/>
+          </a:p>
+          <a:p>
+            <a:r>
+              <a:rPr lang="en-GB" sz="2400" dirty="0"/>
+              <a:t>Arrondissements in Paris</a:t>
+            </a:r>
+          </a:p>
+        </p:txBody>
+      </p:sp>
+      <p:sp>
+        <p:nvSpPr>
+          <p:cNvPr id="7" name="TextBox 6">
+            <a:extLst>
+              <a:ext uri="{FF2B5EF4-FFF2-40B4-BE49-F238E27FC236}">
+                <a16:creationId xmlns:a16="http://schemas.microsoft.com/office/drawing/2014/main" id="{17BBFC3E-B2FB-492C-9A20-8264D5C9627E}"/>
+              </a:ext>
+            </a:extLst>
+          </p:cNvPr>
+          <p:cNvSpPr txBox="1"/>
+          <p:nvPr/>
+        </p:nvSpPr>
+        <p:spPr>
+          <a:xfrm>
+            <a:off x="6095999" y="3838949"/>
+            <a:ext cx="5965372" cy="1200329"/>
+          </a:xfrm>
+          <a:prstGeom prst="rect">
+            <a:avLst/>
+          </a:prstGeom>
+          <a:noFill/>
+        </p:spPr>
+        <p:txBody>
+          <a:bodyPr wrap="square" rtlCol="0">
+            <a:spAutoFit/>
+          </a:bodyPr>
+          <a:lstStyle/>
+          <a:p>
+            <a:r>
+              <a:rPr lang="pt-PT" b="1" dirty="0" err="1"/>
+              <a:t>Objective</a:t>
+            </a:r>
+            <a:r>
+              <a:rPr lang="pt-PT" b="1" dirty="0"/>
+              <a:t>:</a:t>
+            </a:r>
+          </a:p>
+          <a:p>
+            <a:r>
+              <a:rPr lang="pt-PT" dirty="0" err="1"/>
+              <a:t>Retrieve</a:t>
+            </a:r>
+            <a:r>
+              <a:rPr lang="pt-PT" dirty="0"/>
+              <a:t> </a:t>
+            </a:r>
+            <a:r>
+              <a:rPr lang="pt-PT" dirty="0" err="1"/>
+              <a:t>information</a:t>
+            </a:r>
+            <a:r>
+              <a:rPr lang="pt-PT" dirty="0"/>
+              <a:t> </a:t>
+            </a:r>
+            <a:r>
+              <a:rPr lang="pt-PT" dirty="0" err="1"/>
+              <a:t>about</a:t>
+            </a:r>
+            <a:r>
+              <a:rPr lang="pt-PT" dirty="0"/>
+              <a:t> </a:t>
+            </a:r>
+            <a:r>
+              <a:rPr lang="pt-PT" dirty="0" err="1"/>
+              <a:t>the</a:t>
+            </a:r>
+            <a:r>
+              <a:rPr lang="pt-PT" dirty="0"/>
+              <a:t> </a:t>
+            </a:r>
+            <a:r>
+              <a:rPr lang="pt-PT" dirty="0" err="1"/>
+              <a:t>surface</a:t>
+            </a:r>
+            <a:r>
+              <a:rPr lang="pt-PT" dirty="0"/>
+              <a:t> </a:t>
+            </a:r>
+            <a:r>
+              <a:rPr lang="pt-PT" dirty="0" err="1"/>
+              <a:t>of</a:t>
+            </a:r>
+            <a:r>
+              <a:rPr lang="pt-PT" dirty="0"/>
+              <a:t> </a:t>
+            </a:r>
+            <a:r>
+              <a:rPr lang="pt-PT" dirty="0" err="1"/>
+              <a:t>each</a:t>
+            </a:r>
+            <a:r>
+              <a:rPr lang="pt-PT" dirty="0"/>
+              <a:t> </a:t>
+            </a:r>
+            <a:r>
+              <a:rPr lang="pt-PT" dirty="0" err="1"/>
+              <a:t>arrondissement</a:t>
+            </a:r>
+            <a:r>
+              <a:rPr lang="pt-PT" dirty="0"/>
+              <a:t> to correlate </a:t>
+            </a:r>
+            <a:r>
+              <a:rPr lang="pt-PT" dirty="0" err="1"/>
+              <a:t>the</a:t>
+            </a:r>
+            <a:r>
+              <a:rPr lang="pt-PT" dirty="0"/>
+              <a:t> </a:t>
+            </a:r>
+            <a:r>
+              <a:rPr lang="pt-PT" dirty="0" err="1"/>
+              <a:t>number</a:t>
+            </a:r>
+            <a:r>
+              <a:rPr lang="pt-PT" dirty="0"/>
+              <a:t> </a:t>
+            </a:r>
+            <a:r>
+              <a:rPr lang="pt-PT" dirty="0" err="1"/>
+              <a:t>of</a:t>
+            </a:r>
+            <a:r>
+              <a:rPr lang="pt-PT" dirty="0"/>
+              <a:t> </a:t>
+            </a:r>
+            <a:r>
+              <a:rPr lang="pt-PT" dirty="0" err="1"/>
+              <a:t>accidents</a:t>
+            </a:r>
+            <a:r>
+              <a:rPr lang="pt-PT" dirty="0"/>
+              <a:t> </a:t>
+            </a:r>
+            <a:r>
+              <a:rPr lang="pt-PT" dirty="0" err="1"/>
+              <a:t>with</a:t>
+            </a:r>
+            <a:r>
+              <a:rPr lang="pt-PT" dirty="0"/>
+              <a:t> </a:t>
+            </a:r>
+            <a:r>
+              <a:rPr lang="pt-PT" dirty="0" err="1"/>
+              <a:t>the</a:t>
+            </a:r>
+            <a:r>
+              <a:rPr lang="pt-PT" dirty="0"/>
+              <a:t> </a:t>
+            </a:r>
+            <a:r>
+              <a:rPr lang="pt-PT" dirty="0" err="1"/>
+              <a:t>surface</a:t>
+            </a:r>
+            <a:r>
+              <a:rPr lang="pt-PT" dirty="0"/>
+              <a:t> </a:t>
+            </a:r>
+            <a:r>
+              <a:rPr lang="pt-PT" dirty="0" err="1"/>
+              <a:t>of</a:t>
+            </a:r>
+            <a:r>
+              <a:rPr lang="pt-PT" dirty="0"/>
+              <a:t> </a:t>
+            </a:r>
+            <a:r>
+              <a:rPr lang="pt-PT" dirty="0" err="1"/>
+              <a:t>the</a:t>
+            </a:r>
+            <a:r>
+              <a:rPr lang="pt-PT" dirty="0"/>
+              <a:t> </a:t>
+            </a:r>
+            <a:r>
+              <a:rPr lang="pt-PT" dirty="0" err="1"/>
+              <a:t>arrondissement</a:t>
+            </a:r>
+            <a:r>
+              <a:rPr lang="pt-PT" dirty="0"/>
+              <a:t>.</a:t>
+            </a:r>
+            <a:endParaRPr lang="en-GB" dirty="0"/>
+          </a:p>
+        </p:txBody>
+      </p:sp>
+      <p:pic>
+        <p:nvPicPr>
+          <p:cNvPr id="3" name="Picture 2">
+            <a:extLst>
+              <a:ext uri="{FF2B5EF4-FFF2-40B4-BE49-F238E27FC236}">
+                <a16:creationId xmlns:a16="http://schemas.microsoft.com/office/drawing/2014/main" id="{E0E7CDAD-006A-4E5C-9311-439223312069}"/>
+              </a:ext>
+            </a:extLst>
+          </p:cNvPr>
+          <p:cNvPicPr>
+            <a:picLocks noChangeAspect="1"/>
+          </p:cNvPicPr>
+          <p:nvPr/>
+        </p:nvPicPr>
+        <p:blipFill>
+          <a:blip r:embed="rId2"/>
+          <a:stretch>
+            <a:fillRect/>
+          </a:stretch>
+        </p:blipFill>
+        <p:spPr>
+          <a:xfrm>
+            <a:off x="288746" y="1370983"/>
+            <a:ext cx="5104348" cy="5203655"/>
+          </a:xfrm>
+          <a:prstGeom prst="rect">
+            <a:avLst/>
+          </a:prstGeom>
+        </p:spPr>
+      </p:pic>
+    </p:spTree>
+    <p:extLst>
+      <p:ext uri="{BB962C8B-B14F-4D97-AF65-F5344CB8AC3E}">
+        <p14:creationId xmlns:p14="http://schemas.microsoft.com/office/powerpoint/2010/main" val="4209223165"/>
       </p:ext>
     </p:extLst>
   </p:cSld>

--- a/Statistical Analysis of the Bike Traffic in Paris/Bike Traffic in Paris.pptx
+++ b/Statistical Analysis of the Bike Traffic in Paris/Bike Traffic in Paris.pptx
@@ -17,9 +17,10 @@
     <p:sldId id="262" r:id="rId11"/>
     <p:sldId id="265" r:id="rId12"/>
     <p:sldId id="266" r:id="rId13"/>
-    <p:sldId id="268" r:id="rId14"/>
-    <p:sldId id="269" r:id="rId15"/>
-    <p:sldId id="270" r:id="rId16"/>
+    <p:sldId id="271" r:id="rId14"/>
+    <p:sldId id="268" r:id="rId15"/>
+    <p:sldId id="269" r:id="rId16"/>
+    <p:sldId id="270" r:id="rId17"/>
   </p:sldIdLst>
   <p:sldSz cx="12192000" cy="6858000"/>
   <p:notesSz cx="6858000" cy="9144000"/>
@@ -4179,6 +4180,182 @@
           <a:lstStyle/>
           <a:p>
             <a:r>
+              <a:rPr lang="pt-PT" sz="3400" dirty="0" err="1"/>
+              <a:t>What</a:t>
+            </a:r>
+            <a:r>
+              <a:rPr lang="pt-PT" sz="3400" dirty="0"/>
+              <a:t> are </a:t>
+            </a:r>
+            <a:r>
+              <a:rPr lang="pt-PT" sz="3400" dirty="0" err="1"/>
+              <a:t>the</a:t>
+            </a:r>
+            <a:r>
+              <a:rPr lang="pt-PT" sz="3400" dirty="0"/>
+              <a:t> </a:t>
+            </a:r>
+            <a:r>
+              <a:rPr lang="pt-PT" sz="3400" dirty="0" err="1"/>
+              <a:t>Arrondissements</a:t>
+            </a:r>
+            <a:r>
+              <a:rPr lang="pt-PT" sz="3400" dirty="0"/>
+              <a:t> </a:t>
+            </a:r>
+            <a:r>
+              <a:rPr lang="pt-PT" sz="3400" dirty="0" err="1"/>
+              <a:t>with</a:t>
+            </a:r>
+            <a:r>
+              <a:rPr lang="pt-PT" sz="3400" dirty="0"/>
+              <a:t> </a:t>
+            </a:r>
+            <a:r>
+              <a:rPr lang="pt-PT" sz="3400" dirty="0" err="1"/>
+              <a:t>highest</a:t>
+            </a:r>
+            <a:r>
+              <a:rPr lang="pt-PT" sz="3400" dirty="0"/>
+              <a:t> </a:t>
+            </a:r>
+            <a:r>
+              <a:rPr lang="pt-PT" sz="3400" dirty="0" err="1"/>
+              <a:t>number</a:t>
+            </a:r>
+            <a:r>
+              <a:rPr lang="pt-PT" sz="3400" dirty="0"/>
+              <a:t> </a:t>
+            </a:r>
+            <a:r>
+              <a:rPr lang="pt-PT" sz="3400" dirty="0" err="1"/>
+              <a:t>of</a:t>
+            </a:r>
+            <a:r>
+              <a:rPr lang="pt-PT" sz="3400" dirty="0"/>
+              <a:t> </a:t>
+            </a:r>
+            <a:r>
+              <a:rPr lang="pt-PT" sz="3400" dirty="0" err="1"/>
+              <a:t>accidents</a:t>
+            </a:r>
+            <a:r>
+              <a:rPr lang="pt-PT" sz="3400" dirty="0"/>
+              <a:t>?</a:t>
+            </a:r>
+            <a:endParaRPr lang="en-GB" sz="3400" dirty="0"/>
+          </a:p>
+        </p:txBody>
+      </p:sp>
+      <p:pic>
+        <p:nvPicPr>
+          <p:cNvPr id="4" name="Picture 3" descr="Chart, bar chart&#10;&#10;Description automatically generated">
+            <a:extLst>
+              <a:ext uri="{FF2B5EF4-FFF2-40B4-BE49-F238E27FC236}">
+                <a16:creationId xmlns:a16="http://schemas.microsoft.com/office/drawing/2014/main" id="{3D4B6C5D-6462-4031-A91B-B8BCC9E8A349}"/>
+              </a:ext>
+            </a:extLst>
+          </p:cNvPr>
+          <p:cNvPicPr>
+            <a:picLocks noChangeAspect="1"/>
+          </p:cNvPicPr>
+          <p:nvPr/>
+        </p:nvPicPr>
+        <p:blipFill>
+          <a:blip r:embed="rId2">
+            <a:extLst>
+              <a:ext uri="{28A0092B-C50C-407E-A947-70E740481C1C}">
+                <a14:useLocalDpi xmlns:a14="http://schemas.microsoft.com/office/drawing/2010/main" val="0"/>
+              </a:ext>
+            </a:extLst>
+          </a:blip>
+          <a:stretch>
+            <a:fillRect/>
+          </a:stretch>
+        </p:blipFill>
+        <p:spPr>
+          <a:xfrm>
+            <a:off x="642214" y="1319283"/>
+            <a:ext cx="10907571" cy="5453786"/>
+          </a:xfrm>
+          <a:prstGeom prst="rect">
+            <a:avLst/>
+          </a:prstGeom>
+        </p:spPr>
+      </p:pic>
+    </p:spTree>
+    <p:extLst>
+      <p:ext uri="{BB962C8B-B14F-4D97-AF65-F5344CB8AC3E}">
+        <p14:creationId xmlns:p14="http://schemas.microsoft.com/office/powerpoint/2010/main" val="4187568471"/>
+      </p:ext>
+    </p:extLst>
+  </p:cSld>
+  <p:clrMapOvr>
+    <a:masterClrMapping/>
+  </p:clrMapOvr>
+</p:sld>
+</file>
+
+<file path=ppt/slides/slide14.xml><?xml version="1.0" encoding="utf-8"?>
+<p:sld xmlns:a="http://schemas.openxmlformats.org/drawingml/2006/main" xmlns:r="http://schemas.openxmlformats.org/officeDocument/2006/relationships" xmlns:p="http://schemas.openxmlformats.org/presentationml/2006/main">
+  <p:cSld>
+    <p:spTree>
+      <p:nvGrpSpPr>
+        <p:cNvPr id="1" name=""/>
+        <p:cNvGrpSpPr/>
+        <p:nvPr/>
+      </p:nvGrpSpPr>
+      <p:grpSpPr>
+        <a:xfrm>
+          <a:off x="0" y="0"/>
+          <a:ext cx="0" cy="0"/>
+          <a:chOff x="0" y="0"/>
+          <a:chExt cx="0" cy="0"/>
+        </a:xfrm>
+      </p:grpSpPr>
+      <p:sp>
+        <p:nvSpPr>
+          <p:cNvPr id="2" name="Title 1">
+            <a:extLst>
+              <a:ext uri="{FF2B5EF4-FFF2-40B4-BE49-F238E27FC236}">
+                <a16:creationId xmlns:a16="http://schemas.microsoft.com/office/drawing/2014/main" id="{701C0829-2EE8-4206-BEC9-7ABF181F9B28}"/>
+              </a:ext>
+            </a:extLst>
+          </p:cNvPr>
+          <p:cNvSpPr>
+            <a:spLocks noGrp="1"/>
+          </p:cNvSpPr>
+          <p:nvPr>
+            <p:ph type="title"/>
+          </p:nvPr>
+        </p:nvSpPr>
+        <p:spPr>
+          <a:xfrm>
+            <a:off x="0" y="1"/>
+            <a:ext cx="12192000" cy="1131210"/>
+          </a:xfrm>
+        </p:spPr>
+        <p:style>
+          <a:lnRef idx="0">
+            <a:schemeClr val="accent5"/>
+          </a:lnRef>
+          <a:fillRef idx="3">
+            <a:schemeClr val="accent5"/>
+          </a:fillRef>
+          <a:effectRef idx="3">
+            <a:schemeClr val="accent5"/>
+          </a:effectRef>
+          <a:fontRef idx="minor">
+            <a:schemeClr val="lt1"/>
+          </a:fontRef>
+        </p:style>
+        <p:txBody>
+          <a:bodyPr>
+            <a:noAutofit/>
+          </a:bodyPr>
+          <a:lstStyle/>
+          <a:p>
+            <a:r>
               <a:rPr lang="pt-PT" sz="3600" dirty="0"/>
               <a:t>Is </a:t>
             </a:r>
@@ -4339,7 +4516,7 @@
 </p:sld>
 </file>
 
-<file path=ppt/slides/slide14.xml><?xml version="1.0" encoding="utf-8"?>
+<file path=ppt/slides/slide15.xml><?xml version="1.0" encoding="utf-8"?>
 <p:sld xmlns:a="http://schemas.openxmlformats.org/drawingml/2006/main" xmlns:r="http://schemas.openxmlformats.org/officeDocument/2006/relationships" xmlns:p="http://schemas.openxmlformats.org/presentationml/2006/main">
   <p:cSld>
     <p:bg>
@@ -4633,7 +4810,7 @@
 </p:sld>
 </file>
 
-<file path=ppt/slides/slide15.xml><?xml version="1.0" encoding="utf-8"?>
+<file path=ppt/slides/slide16.xml><?xml version="1.0" encoding="utf-8"?>
 <p:sld xmlns:a="http://schemas.openxmlformats.org/drawingml/2006/main" xmlns:r="http://schemas.openxmlformats.org/officeDocument/2006/relationships" xmlns:p="http://schemas.openxmlformats.org/presentationml/2006/main">
   <p:cSld>
     <p:bg>
@@ -5026,7 +5203,7 @@
         <p:spPr/>
         <p:txBody>
           <a:bodyPr>
-            <a:normAutofit fontScale="92500" lnSpcReduction="10000"/>
+            <a:normAutofit/>
           </a:bodyPr>
           <a:lstStyle/>
           <a:p>
@@ -5139,29 +5316,6 @@
                 <a:latin typeface="Helvetica Neue"/>
               </a:rPr>
               <a:t>Is the traffic seasonal?</a:t>
-            </a:r>
-          </a:p>
-          <a:p>
-            <a:pPr algn="l">
-              <a:buBlip>
-                <a:blip r:embed="rId2">
-                  <a:extLst>
-                    <a:ext uri="{96DAC541-7B7A-43D3-8B79-37D633B846F1}">
-                      <asvg:svgBlip xmlns:asvg="http://schemas.microsoft.com/office/drawing/2016/SVG/main" r:embed="rId3"/>
-                    </a:ext>
-                  </a:extLst>
-                </a:blip>
-              </a:buBlip>
-            </a:pPr>
-            <a:r>
-              <a:rPr lang="en-GB" b="0" i="0" dirty="0">
-                <a:solidFill>
-                  <a:srgbClr val="000000"/>
-                </a:solidFill>
-                <a:effectLst/>
-                <a:latin typeface="Helvetica Neue"/>
-              </a:rPr>
-              <a:t>Is the increase in car traffic leading to more bike accidents?</a:t>
             </a:r>
           </a:p>
           <a:p>
@@ -5504,55 +5658,6 @@
                                           <p:spTgt spid="4">
                                             <p:txEl>
                                               <p:pRg st="5" end="5"/>
-                                            </p:txEl>
-                                          </p:spTgt>
-                                        </p:tgtEl>
-                                        <p:attrNameLst>
-                                          <p:attrName>style.visibility</p:attrName>
-                                        </p:attrNameLst>
-                                      </p:cBhvr>
-                                      <p:to>
-                                        <p:strVal val="visible"/>
-                                      </p:to>
-                                    </p:set>
-                                  </p:childTnLst>
-                                </p:cTn>
-                              </p:par>
-                            </p:childTnLst>
-                          </p:cTn>
-                        </p:par>
-                      </p:childTnLst>
-                    </p:cTn>
-                  </p:par>
-                  <p:par>
-                    <p:cTn id="27" fill="hold">
-                      <p:stCondLst>
-                        <p:cond delay="indefinite"/>
-                      </p:stCondLst>
-                      <p:childTnLst>
-                        <p:par>
-                          <p:cTn id="28" fill="hold">
-                            <p:stCondLst>
-                              <p:cond delay="0"/>
-                            </p:stCondLst>
-                            <p:childTnLst>
-                              <p:par>
-                                <p:cTn id="29" presetID="1" presetClass="entr" presetSubtype="0" fill="hold" nodeType="clickEffect">
-                                  <p:stCondLst>
-                                    <p:cond delay="0"/>
-                                  </p:stCondLst>
-                                  <p:childTnLst>
-                                    <p:set>
-                                      <p:cBhvr>
-                                        <p:cTn id="30" dur="1" fill="hold">
-                                          <p:stCondLst>
-                                            <p:cond delay="0"/>
-                                          </p:stCondLst>
-                                        </p:cTn>
-                                        <p:tgtEl>
-                                          <p:spTgt spid="4">
-                                            <p:txEl>
-                                              <p:pRg st="6" end="6"/>
                                             </p:txEl>
                                           </p:spTgt>
                                         </p:tgtEl>
